--- a/taller de investigacion 2/SEMAFORO ACTUAL CON SOLUCION A SEMAFORO ECOLOGICO.pptx
+++ b/taller de investigacion 2/SEMAFORO ACTUAL CON SOLUCION A SEMAFORO ECOLOGICO.pptx
@@ -14,6 +14,9 @@
     <p:sldId id="262" r:id="rId8"/>
     <p:sldId id="263" r:id="rId9"/>
     <p:sldId id="264" r:id="rId10"/>
+    <p:sldId id="265" r:id="rId11"/>
+    <p:sldId id="266" r:id="rId12"/>
+    <p:sldId id="267" r:id="rId13"/>
   </p:sldIdLst>
   <p:sldSz cx="12192000" cy="6858000"/>
   <p:notesSz cx="6858000" cy="9144000"/>
@@ -112,6 +115,11 @@
       </a:defRPr>
     </a:lvl9pPr>
   </p:defaultTextStyle>
+  <p:extLst>
+    <p:ext uri="{EFAFB233-063F-42B5-8137-9DF3F51BA10A}">
+      <p15:sldGuideLst xmlns:p15="http://schemas.microsoft.com/office/powerpoint/2012/main"/>
+    </p:ext>
+  </p:extLst>
 </p:presentation>
 </file>
 
@@ -342,7 +350,7 @@
             <a:fld id="{5586B75A-687E-405C-8A0B-8D00578BA2C3}" type="datetimeFigureOut">
               <a:rPr lang="en-US" dirty="0"/>
               <a:pPr/>
-              <a:t>2/9/2015</a:t>
+              <a:t>6/2/2015</a:t>
             </a:fld>
             <a:endParaRPr lang="en-US" dirty="0"/>
           </a:p>
@@ -509,7 +517,7 @@
             <a:fld id="{5586B75A-687E-405C-8A0B-8D00578BA2C3}" type="datetimeFigureOut">
               <a:rPr lang="en-US" dirty="0"/>
               <a:pPr/>
-              <a:t>2/9/2015</a:t>
+              <a:t>6/2/2015</a:t>
             </a:fld>
             <a:endParaRPr lang="en-US" dirty="0"/>
           </a:p>
@@ -686,7 +694,7 @@
             <a:fld id="{5586B75A-687E-405C-8A0B-8D00578BA2C3}" type="datetimeFigureOut">
               <a:rPr lang="en-US" dirty="0"/>
               <a:pPr/>
-              <a:t>2/9/2015</a:t>
+              <a:t>6/2/2015</a:t>
             </a:fld>
             <a:endParaRPr lang="en-US" dirty="0"/>
           </a:p>
@@ -853,7 +861,7 @@
             <a:fld id="{5586B75A-687E-405C-8A0B-8D00578BA2C3}" type="datetimeFigureOut">
               <a:rPr lang="en-US" dirty="0"/>
               <a:pPr/>
-              <a:t>2/9/2015</a:t>
+              <a:t>6/2/2015</a:t>
             </a:fld>
             <a:endParaRPr lang="en-US" dirty="0"/>
           </a:p>
@@ -1108,7 +1116,7 @@
             <a:fld id="{5586B75A-687E-405C-8A0B-8D00578BA2C3}" type="datetimeFigureOut">
               <a:rPr lang="en-US" dirty="0"/>
               <a:pPr/>
-              <a:t>2/9/2015</a:t>
+              <a:t>6/2/2015</a:t>
             </a:fld>
             <a:endParaRPr lang="en-US" dirty="0"/>
           </a:p>
@@ -1393,7 +1401,7 @@
             <a:fld id="{5586B75A-687E-405C-8A0B-8D00578BA2C3}" type="datetimeFigureOut">
               <a:rPr lang="en-US" dirty="0"/>
               <a:pPr/>
-              <a:t>2/9/2015</a:t>
+              <a:t>6/2/2015</a:t>
             </a:fld>
             <a:endParaRPr lang="en-US" dirty="0"/>
           </a:p>
@@ -1832,7 +1840,7 @@
             <a:fld id="{5586B75A-687E-405C-8A0B-8D00578BA2C3}" type="datetimeFigureOut">
               <a:rPr lang="en-US" dirty="0"/>
               <a:pPr/>
-              <a:t>2/9/2015</a:t>
+              <a:t>6/2/2015</a:t>
             </a:fld>
             <a:endParaRPr lang="en-US" dirty="0"/>
           </a:p>
@@ -1947,7 +1955,7 @@
             <a:fld id="{5586B75A-687E-405C-8A0B-8D00578BA2C3}" type="datetimeFigureOut">
               <a:rPr lang="en-US" dirty="0"/>
               <a:pPr/>
-              <a:t>2/9/2015</a:t>
+              <a:t>6/2/2015</a:t>
             </a:fld>
             <a:endParaRPr lang="en-US" dirty="0"/>
           </a:p>
@@ -2039,7 +2047,7 @@
             <a:fld id="{5586B75A-687E-405C-8A0B-8D00578BA2C3}" type="datetimeFigureOut">
               <a:rPr lang="en-US" dirty="0"/>
               <a:pPr/>
-              <a:t>2/9/2015</a:t>
+              <a:t>6/2/2015</a:t>
             </a:fld>
             <a:endParaRPr lang="en-US" dirty="0"/>
           </a:p>
@@ -2324,7 +2332,7 @@
             <a:fld id="{5586B75A-687E-405C-8A0B-8D00578BA2C3}" type="datetimeFigureOut">
               <a:rPr lang="en-US" dirty="0"/>
               <a:pPr/>
-              <a:t>2/9/2015</a:t>
+              <a:t>6/2/2015</a:t>
             </a:fld>
             <a:endParaRPr lang="en-US" dirty="0"/>
           </a:p>
@@ -2595,7 +2603,7 @@
             <a:fld id="{5586B75A-687E-405C-8A0B-8D00578BA2C3}" type="datetimeFigureOut">
               <a:rPr lang="en-US" dirty="0"/>
               <a:pPr/>
-              <a:t>2/9/2015</a:t>
+              <a:t>6/2/2015</a:t>
             </a:fld>
             <a:endParaRPr lang="en-US" dirty="0"/>
           </a:p>
@@ -2891,7 +2899,7 @@
             <a:fld id="{5586B75A-687E-405C-8A0B-8D00578BA2C3}" type="datetimeFigureOut">
               <a:rPr lang="en-US" dirty="0"/>
               <a:pPr/>
-              <a:t>2/9/2015</a:t>
+              <a:t>6/2/2015</a:t>
             </a:fld>
             <a:endParaRPr lang="en-US" dirty="0"/>
           </a:p>
@@ -3465,6 +3473,406 @@
 </p:sld>
 </file>
 
+<file path=ppt/slides/slide10.xml><?xml version="1.0" encoding="utf-8"?>
+<p:sld xmlns:a="http://schemas.openxmlformats.org/drawingml/2006/main" xmlns:r="http://schemas.openxmlformats.org/officeDocument/2006/relationships" xmlns:p="http://schemas.openxmlformats.org/presentationml/2006/main">
+  <p:cSld>
+    <p:spTree>
+      <p:nvGrpSpPr>
+        <p:cNvPr id="1" name=""/>
+        <p:cNvGrpSpPr/>
+        <p:nvPr/>
+      </p:nvGrpSpPr>
+      <p:grpSpPr>
+        <a:xfrm>
+          <a:off x="0" y="0"/>
+          <a:ext cx="0" cy="0"/>
+          <a:chOff x="0" y="0"/>
+          <a:chExt cx="0" cy="0"/>
+        </a:xfrm>
+      </p:grpSpPr>
+      <p:sp>
+        <p:nvSpPr>
+          <p:cNvPr id="2" name="Título 1"/>
+          <p:cNvSpPr>
+            <a:spLocks noGrp="1"/>
+          </p:cNvSpPr>
+          <p:nvPr>
+            <p:ph type="title"/>
+          </p:nvPr>
+        </p:nvSpPr>
+        <p:spPr/>
+        <p:txBody>
+          <a:bodyPr/>
+          <a:lstStyle/>
+          <a:p>
+            <a:r>
+              <a:rPr lang="es-MX" b="1" u="sng" dirty="0"/>
+              <a:t>Marco teórico</a:t>
+            </a:r>
+            <a:r>
+              <a:rPr lang="es-MX" dirty="0"/>
+              <a:t/>
+            </a:r>
+            <a:br>
+              <a:rPr lang="es-MX" dirty="0"/>
+            </a:br>
+            <a:endParaRPr lang="es-MX" dirty="0"/>
+          </a:p>
+        </p:txBody>
+      </p:sp>
+      <p:sp>
+        <p:nvSpPr>
+          <p:cNvPr id="3" name="Marcador de contenido 2"/>
+          <p:cNvSpPr>
+            <a:spLocks noGrp="1"/>
+          </p:cNvSpPr>
+          <p:nvPr>
+            <p:ph sz="half" idx="1"/>
+          </p:nvPr>
+        </p:nvSpPr>
+        <p:spPr>
+          <a:xfrm>
+            <a:off x="3471094" y="756537"/>
+            <a:ext cx="4180535" cy="5120640"/>
+          </a:xfrm>
+        </p:spPr>
+        <p:txBody>
+          <a:bodyPr>
+            <a:noAutofit/>
+          </a:bodyPr>
+          <a:lstStyle/>
+          <a:p>
+            <a:r>
+              <a:rPr lang="es-MX" b="1" dirty="0"/>
+              <a:t>INTRODUCCIÓN</a:t>
+            </a:r>
+            <a:endParaRPr lang="es-MX" dirty="0"/>
+          </a:p>
+          <a:p>
+            <a:pPr algn="just"/>
+            <a:r>
+              <a:rPr lang="es-MX" sz="1800" dirty="0"/>
+              <a:t>Hoy en día, se busca dar solución a cada problema de una manera rápida, eficiente y que se pueda probar antes de incurrir en gastos de implementación elevados. Es por tal motivo que la simulación y el análisis de modelos matemáticos aplicados a situaciones reales, ha cobrado un valor importante para las organizaciones privadas y públicas, que de un modo u otro quieren encontrar soluciones a estos problemas.</a:t>
+            </a:r>
+          </a:p>
+          <a:p>
+            <a:endParaRPr lang="es-MX" dirty="0"/>
+          </a:p>
+        </p:txBody>
+      </p:sp>
+      <p:sp>
+        <p:nvSpPr>
+          <p:cNvPr id="4" name="Marcador de contenido 3"/>
+          <p:cNvSpPr>
+            <a:spLocks noGrp="1"/>
+          </p:cNvSpPr>
+          <p:nvPr>
+            <p:ph sz="half" idx="2"/>
+          </p:nvPr>
+        </p:nvSpPr>
+        <p:spPr>
+          <a:xfrm>
+            <a:off x="7746519" y="189782"/>
+            <a:ext cx="4071669" cy="6547448"/>
+          </a:xfrm>
+        </p:spPr>
+        <p:txBody>
+          <a:bodyPr>
+            <a:noAutofit/>
+          </a:bodyPr>
+          <a:lstStyle/>
+          <a:p>
+            <a:r>
+              <a:rPr lang="es-MX" sz="1400" b="1" dirty="0"/>
+              <a:t>OBJETIVO GENERAL</a:t>
+            </a:r>
+            <a:endParaRPr lang="es-MX" sz="1400" dirty="0"/>
+          </a:p>
+          <a:p>
+            <a:pPr algn="just"/>
+            <a:r>
+              <a:rPr lang="es-MX" sz="1400" dirty="0"/>
+              <a:t>Proponer una fuente de alimentación eléctrica, que alimente los semáforos ahorrando el consumo o la explotación de la energía, por este lado se propone celdas solares que es obtener energía por medio de los rayos solares que es algo ergo económico y reutilizar para alimentar una red de semáforos en Nezahualcóyotl.</a:t>
+            </a:r>
+          </a:p>
+          <a:p>
+            <a:r>
+              <a:rPr lang="es-MX" sz="1400" b="1" dirty="0"/>
+              <a:t>OBJETIVOS ESPECÍFICOS</a:t>
+            </a:r>
+            <a:endParaRPr lang="es-MX" sz="1400" dirty="0"/>
+          </a:p>
+          <a:p>
+            <a:pPr algn="just"/>
+            <a:r>
+              <a:rPr lang="es-MX" sz="1400" dirty="0"/>
+              <a:t>-Realizar un estudio de tiempos en los semáforos de la población objetivo, mediante el uso de la estadística descriptiva, de tal manera que se pueda diagnosticar la situación actual de dicha población respecto al flujo vehicular.</a:t>
+            </a:r>
+          </a:p>
+          <a:p>
+            <a:pPr algn="just"/>
+            <a:r>
+              <a:rPr lang="es-MX" sz="1400" dirty="0"/>
+              <a:t>-Utilizar las herramientas estadísticas de la teoría de colas para analizar la situación del flujo vehicular en el sistema previamente definido.</a:t>
+            </a:r>
+          </a:p>
+          <a:p>
+            <a:pPr algn="just"/>
+            <a:r>
+              <a:rPr lang="es-MX" sz="1400" dirty="0"/>
+              <a:t>-Desarrollar un modelo de simulación que represente la situación de la población objetivo.</a:t>
+            </a:r>
+          </a:p>
+          <a:p>
+            <a:pPr algn="just"/>
+            <a:r>
+              <a:rPr lang="es-MX" sz="1400" dirty="0"/>
+              <a:t>-Validar el modelo de simulación a través del análisis estadístico descriptivo desarrollado, para así, proponer una combinación de buena calidad en los tiempos de los semáforos en pro de mejorar el flujo vial en la población objetivo.</a:t>
+            </a:r>
+          </a:p>
+          <a:p>
+            <a:endParaRPr lang="es-MX" sz="1400" dirty="0"/>
+          </a:p>
+        </p:txBody>
+      </p:sp>
+    </p:spTree>
+    <p:extLst>
+      <p:ext uri="{BB962C8B-B14F-4D97-AF65-F5344CB8AC3E}">
+        <p14:creationId xmlns:p14="http://schemas.microsoft.com/office/powerpoint/2010/main" val="3205639581"/>
+      </p:ext>
+    </p:extLst>
+  </p:cSld>
+  <p:clrMapOvr>
+    <a:masterClrMapping/>
+  </p:clrMapOvr>
+</p:sld>
+</file>
+
+<file path=ppt/slides/slide11.xml><?xml version="1.0" encoding="utf-8"?>
+<p:sld xmlns:a="http://schemas.openxmlformats.org/drawingml/2006/main" xmlns:r="http://schemas.openxmlformats.org/officeDocument/2006/relationships" xmlns:p="http://schemas.openxmlformats.org/presentationml/2006/main">
+  <p:cSld>
+    <p:spTree>
+      <p:nvGrpSpPr>
+        <p:cNvPr id="1" name=""/>
+        <p:cNvGrpSpPr/>
+        <p:nvPr/>
+      </p:nvGrpSpPr>
+      <p:grpSpPr>
+        <a:xfrm>
+          <a:off x="0" y="0"/>
+          <a:ext cx="0" cy="0"/>
+          <a:chOff x="0" y="0"/>
+          <a:chExt cx="0" cy="0"/>
+        </a:xfrm>
+      </p:grpSpPr>
+      <p:sp>
+        <p:nvSpPr>
+          <p:cNvPr id="2" name="Título 1"/>
+          <p:cNvSpPr>
+            <a:spLocks noGrp="1"/>
+          </p:cNvSpPr>
+          <p:nvPr>
+            <p:ph type="title"/>
+          </p:nvPr>
+        </p:nvSpPr>
+        <p:spPr/>
+        <p:txBody>
+          <a:bodyPr/>
+          <a:lstStyle/>
+          <a:p>
+            <a:r>
+              <a:rPr lang="es-MX" b="1" dirty="0"/>
+              <a:t>Teorías.</a:t>
+            </a:r>
+            <a:r>
+              <a:rPr lang="es-MX" dirty="0"/>
+              <a:t/>
+            </a:r>
+            <a:br>
+              <a:rPr lang="es-MX" dirty="0"/>
+            </a:br>
+            <a:endParaRPr lang="es-MX" dirty="0"/>
+          </a:p>
+        </p:txBody>
+      </p:sp>
+      <p:sp>
+        <p:nvSpPr>
+          <p:cNvPr id="3" name="Marcador de contenido 2"/>
+          <p:cNvSpPr>
+            <a:spLocks noGrp="1"/>
+          </p:cNvSpPr>
+          <p:nvPr>
+            <p:ph sz="half" idx="1"/>
+          </p:nvPr>
+        </p:nvSpPr>
+        <p:spPr>
+          <a:xfrm>
+            <a:off x="3600493" y="655608"/>
+            <a:ext cx="7311922" cy="3202988"/>
+          </a:xfrm>
+        </p:spPr>
+        <p:txBody>
+          <a:bodyPr/>
+          <a:lstStyle/>
+          <a:p>
+            <a:pPr algn="just"/>
+            <a:r>
+              <a:rPr lang="es-MX" b="1" dirty="0" smtClean="0"/>
+              <a:t>TEORÍA DE COLAS</a:t>
+            </a:r>
+          </a:p>
+          <a:p>
+            <a:pPr marL="0" indent="0" algn="just">
+              <a:buNone/>
+            </a:pPr>
+            <a:r>
+              <a:rPr lang="es-MX" dirty="0" smtClean="0"/>
+              <a:t>La </a:t>
+            </a:r>
+            <a:r>
+              <a:rPr lang="es-MX" dirty="0"/>
+              <a:t>teoría de colas es el estudio de una técnica basada en la Investigación de operaciones para solucionar problemas que se presentan en las situaciones en las cuales se forman turnos de espera o colas para la prestación de un servicio o ejecución de un </a:t>
+            </a:r>
+            <a:r>
+              <a:rPr lang="es-MX" dirty="0" smtClean="0"/>
+              <a:t>trabajo.</a:t>
+            </a:r>
+            <a:endParaRPr lang="es-MX" dirty="0"/>
+          </a:p>
+        </p:txBody>
+      </p:sp>
+      <p:pic>
+        <p:nvPicPr>
+          <p:cNvPr id="5" name="Imagen 4"/>
+          <p:cNvPicPr/>
+          <p:nvPr/>
+        </p:nvPicPr>
+        <p:blipFill rotWithShape="1">
+          <a:blip r:embed="rId2"/>
+          <a:srcRect l="60993" t="56459" r="9560" b="31983"/>
+          <a:stretch/>
+        </p:blipFill>
+        <p:spPr bwMode="auto">
+          <a:xfrm>
+            <a:off x="3938670" y="3999100"/>
+            <a:ext cx="5791926" cy="1647039"/>
+          </a:xfrm>
+          <a:prstGeom prst="rect">
+            <a:avLst/>
+          </a:prstGeom>
+          <a:ln>
+            <a:noFill/>
+          </a:ln>
+          <a:extLst>
+            <a:ext uri="{53640926-AAD7-44D8-BBD7-CCE9431645EC}">
+              <a14:shadowObscured xmlns:a14="http://schemas.microsoft.com/office/drawing/2010/main"/>
+            </a:ext>
+          </a:extLst>
+        </p:spPr>
+      </p:pic>
+    </p:spTree>
+    <p:extLst>
+      <p:ext uri="{BB962C8B-B14F-4D97-AF65-F5344CB8AC3E}">
+        <p14:creationId xmlns:p14="http://schemas.microsoft.com/office/powerpoint/2010/main" val="3504581341"/>
+      </p:ext>
+    </p:extLst>
+  </p:cSld>
+  <p:clrMapOvr>
+    <a:masterClrMapping/>
+  </p:clrMapOvr>
+</p:sld>
+</file>
+
+<file path=ppt/slides/slide12.xml><?xml version="1.0" encoding="utf-8"?>
+<p:sld xmlns:a="http://schemas.openxmlformats.org/drawingml/2006/main" xmlns:r="http://schemas.openxmlformats.org/officeDocument/2006/relationships" xmlns:p="http://schemas.openxmlformats.org/presentationml/2006/main">
+  <p:cSld>
+    <p:spTree>
+      <p:nvGrpSpPr>
+        <p:cNvPr id="1" name=""/>
+        <p:cNvGrpSpPr/>
+        <p:nvPr/>
+      </p:nvGrpSpPr>
+      <p:grpSpPr>
+        <a:xfrm>
+          <a:off x="0" y="0"/>
+          <a:ext cx="0" cy="0"/>
+          <a:chOff x="0" y="0"/>
+          <a:chExt cx="0" cy="0"/>
+        </a:xfrm>
+      </p:grpSpPr>
+      <p:sp>
+        <p:nvSpPr>
+          <p:cNvPr id="2" name="Título 1"/>
+          <p:cNvSpPr>
+            <a:spLocks noGrp="1"/>
+          </p:cNvSpPr>
+          <p:nvPr>
+            <p:ph type="title"/>
+          </p:nvPr>
+        </p:nvSpPr>
+        <p:spPr/>
+        <p:txBody>
+          <a:bodyPr/>
+          <a:lstStyle/>
+          <a:p>
+            <a:r>
+              <a:rPr lang="es-MX" dirty="0" smtClean="0"/>
+              <a:t>Hipótesis</a:t>
+            </a:r>
+            <a:endParaRPr lang="es-MX" dirty="0"/>
+          </a:p>
+        </p:txBody>
+      </p:sp>
+      <p:pic>
+        <p:nvPicPr>
+          <p:cNvPr id="5" name="Marcador de contenido 4" descr="Como crear un semáforo con CI 555 (Apto para principiantes)"/>
+          <p:cNvPicPr>
+            <a:picLocks noGrp="1"/>
+          </p:cNvPicPr>
+          <p:nvPr>
+            <p:ph sz="half" idx="1"/>
+          </p:nvPr>
+        </p:nvPicPr>
+        <p:blipFill>
+          <a:blip r:embed="rId2">
+            <a:extLst>
+              <a:ext uri="{28A0092B-C50C-407E-A947-70E740481C1C}">
+                <a14:useLocalDpi xmlns:a14="http://schemas.microsoft.com/office/drawing/2010/main" val="0"/>
+              </a:ext>
+            </a:extLst>
+          </a:blip>
+          <a:srcRect/>
+          <a:stretch>
+            <a:fillRect/>
+          </a:stretch>
+        </p:blipFill>
+        <p:spPr bwMode="auto">
+          <a:xfrm>
+            <a:off x="4675517" y="1327952"/>
+            <a:ext cx="5236234" cy="4397068"/>
+          </a:xfrm>
+          <a:prstGeom prst="rect">
+            <a:avLst/>
+          </a:prstGeom>
+          <a:noFill/>
+          <a:ln>
+            <a:noFill/>
+          </a:ln>
+        </p:spPr>
+      </p:pic>
+    </p:spTree>
+    <p:extLst>
+      <p:ext uri="{BB962C8B-B14F-4D97-AF65-F5344CB8AC3E}">
+        <p14:creationId xmlns:p14="http://schemas.microsoft.com/office/powerpoint/2010/main" val="1062347606"/>
+      </p:ext>
+    </p:extLst>
+  </p:cSld>
+  <p:clrMapOvr>
+    <a:masterClrMapping/>
+  </p:clrMapOvr>
+</p:sld>
+</file>
+
 <file path=ppt/slides/slide2.xml><?xml version="1.0" encoding="utf-8"?>
 <p:sld xmlns:a="http://schemas.openxmlformats.org/drawingml/2006/main" xmlns:r="http://schemas.openxmlformats.org/officeDocument/2006/relationships" xmlns:p="http://schemas.openxmlformats.org/presentationml/2006/main">
   <p:cSld>
@@ -3660,7 +4068,6 @@
               <a:rPr lang="es-MX" sz="2400" dirty="0"/>
               <a:t>de Desarrollo Urbano y Vivienda (29 de octubre de 2004). </a:t>
             </a:r>
-            <a:endParaRPr lang="es-MX" sz="2400" dirty="0"/>
           </a:p>
         </p:txBody>
       </p:sp>
@@ -3831,7 +4238,6 @@
               <a:rPr lang="es-MX" dirty="0"/>
               <a:t>Opciones tópicas</a:t>
             </a:r>
-            <a:endParaRPr lang="es-MX" dirty="0"/>
           </a:p>
         </p:txBody>
       </p:sp>
@@ -3988,7 +4394,6 @@
               <a:rPr lang="es-MX" sz="2400" dirty="0"/>
               <a:t>Uno de los problemas a enfrentarnos es el presupuesto de Nezahualcóyotl que no tienen o no egresan recursos para su mantenimiento, mientras que otros municipios como Tecámac, Cuautitlán Izcalli, Tlalnepantla, hay recursos y su mantenimiento es oportuno.</a:t>
             </a:r>
-            <a:endParaRPr lang="es-MX" sz="2400" dirty="0"/>
           </a:p>
         </p:txBody>
       </p:sp>

--- a/taller de investigacion 2/SEMAFORO ACTUAL CON SOLUCION A SEMAFORO ECOLOGICO.pptx
+++ b/taller de investigacion 2/SEMAFORO ACTUAL CON SOLUCION A SEMAFORO ECOLOGICO.pptx
@@ -17,6 +17,8 @@
     <p:sldId id="265" r:id="rId11"/>
     <p:sldId id="266" r:id="rId12"/>
     <p:sldId id="267" r:id="rId13"/>
+    <p:sldId id="268" r:id="rId14"/>
+    <p:sldId id="269" r:id="rId15"/>
   </p:sldIdLst>
   <p:sldSz cx="12192000" cy="6858000"/>
   <p:notesSz cx="6858000" cy="9144000"/>
@@ -350,7 +352,7 @@
             <a:fld id="{5586B75A-687E-405C-8A0B-8D00578BA2C3}" type="datetimeFigureOut">
               <a:rPr lang="en-US" dirty="0"/>
               <a:pPr/>
-              <a:t>6/2/2015</a:t>
+              <a:t>6/3/2015</a:t>
             </a:fld>
             <a:endParaRPr lang="en-US" dirty="0"/>
           </a:p>
@@ -517,7 +519,7 @@
             <a:fld id="{5586B75A-687E-405C-8A0B-8D00578BA2C3}" type="datetimeFigureOut">
               <a:rPr lang="en-US" dirty="0"/>
               <a:pPr/>
-              <a:t>6/2/2015</a:t>
+              <a:t>6/3/2015</a:t>
             </a:fld>
             <a:endParaRPr lang="en-US" dirty="0"/>
           </a:p>
@@ -694,7 +696,7 @@
             <a:fld id="{5586B75A-687E-405C-8A0B-8D00578BA2C3}" type="datetimeFigureOut">
               <a:rPr lang="en-US" dirty="0"/>
               <a:pPr/>
-              <a:t>6/2/2015</a:t>
+              <a:t>6/3/2015</a:t>
             </a:fld>
             <a:endParaRPr lang="en-US" dirty="0"/>
           </a:p>
@@ -861,7 +863,7 @@
             <a:fld id="{5586B75A-687E-405C-8A0B-8D00578BA2C3}" type="datetimeFigureOut">
               <a:rPr lang="en-US" dirty="0"/>
               <a:pPr/>
-              <a:t>6/2/2015</a:t>
+              <a:t>6/3/2015</a:t>
             </a:fld>
             <a:endParaRPr lang="en-US" dirty="0"/>
           </a:p>
@@ -1116,7 +1118,7 @@
             <a:fld id="{5586B75A-687E-405C-8A0B-8D00578BA2C3}" type="datetimeFigureOut">
               <a:rPr lang="en-US" dirty="0"/>
               <a:pPr/>
-              <a:t>6/2/2015</a:t>
+              <a:t>6/3/2015</a:t>
             </a:fld>
             <a:endParaRPr lang="en-US" dirty="0"/>
           </a:p>
@@ -1401,7 +1403,7 @@
             <a:fld id="{5586B75A-687E-405C-8A0B-8D00578BA2C3}" type="datetimeFigureOut">
               <a:rPr lang="en-US" dirty="0"/>
               <a:pPr/>
-              <a:t>6/2/2015</a:t>
+              <a:t>6/3/2015</a:t>
             </a:fld>
             <a:endParaRPr lang="en-US" dirty="0"/>
           </a:p>
@@ -1840,7 +1842,7 @@
             <a:fld id="{5586B75A-687E-405C-8A0B-8D00578BA2C3}" type="datetimeFigureOut">
               <a:rPr lang="en-US" dirty="0"/>
               <a:pPr/>
-              <a:t>6/2/2015</a:t>
+              <a:t>6/3/2015</a:t>
             </a:fld>
             <a:endParaRPr lang="en-US" dirty="0"/>
           </a:p>
@@ -1955,7 +1957,7 @@
             <a:fld id="{5586B75A-687E-405C-8A0B-8D00578BA2C3}" type="datetimeFigureOut">
               <a:rPr lang="en-US" dirty="0"/>
               <a:pPr/>
-              <a:t>6/2/2015</a:t>
+              <a:t>6/3/2015</a:t>
             </a:fld>
             <a:endParaRPr lang="en-US" dirty="0"/>
           </a:p>
@@ -2047,7 +2049,7 @@
             <a:fld id="{5586B75A-687E-405C-8A0B-8D00578BA2C3}" type="datetimeFigureOut">
               <a:rPr lang="en-US" dirty="0"/>
               <a:pPr/>
-              <a:t>6/2/2015</a:t>
+              <a:t>6/3/2015</a:t>
             </a:fld>
             <a:endParaRPr lang="en-US" dirty="0"/>
           </a:p>
@@ -2332,7 +2334,7 @@
             <a:fld id="{5586B75A-687E-405C-8A0B-8D00578BA2C3}" type="datetimeFigureOut">
               <a:rPr lang="en-US" dirty="0"/>
               <a:pPr/>
-              <a:t>6/2/2015</a:t>
+              <a:t>6/3/2015</a:t>
             </a:fld>
             <a:endParaRPr lang="en-US" dirty="0"/>
           </a:p>
@@ -2603,7 +2605,7 @@
             <a:fld id="{5586B75A-687E-405C-8A0B-8D00578BA2C3}" type="datetimeFigureOut">
               <a:rPr lang="en-US" dirty="0"/>
               <a:pPr/>
-              <a:t>6/2/2015</a:t>
+              <a:t>6/3/2015</a:t>
             </a:fld>
             <a:endParaRPr lang="en-US" dirty="0"/>
           </a:p>
@@ -2899,7 +2901,7 @@
             <a:fld id="{5586B75A-687E-405C-8A0B-8D00578BA2C3}" type="datetimeFigureOut">
               <a:rPr lang="en-US" dirty="0"/>
               <a:pPr/>
-              <a:t>6/2/2015</a:t>
+              <a:t>6/3/2015</a:t>
             </a:fld>
             <a:endParaRPr lang="en-US" dirty="0"/>
           </a:p>
@@ -3873,6 +3875,182 @@
 </p:sld>
 </file>
 
+<file path=ppt/slides/slide13.xml><?xml version="1.0" encoding="utf-8"?>
+<p:sld xmlns:a="http://schemas.openxmlformats.org/drawingml/2006/main" xmlns:r="http://schemas.openxmlformats.org/officeDocument/2006/relationships" xmlns:p="http://schemas.openxmlformats.org/presentationml/2006/main">
+  <p:cSld>
+    <p:spTree>
+      <p:nvGrpSpPr>
+        <p:cNvPr id="1" name=""/>
+        <p:cNvGrpSpPr/>
+        <p:nvPr/>
+      </p:nvGrpSpPr>
+      <p:grpSpPr>
+        <a:xfrm>
+          <a:off x="0" y="0"/>
+          <a:ext cx="0" cy="0"/>
+          <a:chOff x="0" y="0"/>
+          <a:chExt cx="0" cy="0"/>
+        </a:xfrm>
+      </p:grpSpPr>
+      <p:sp>
+        <p:nvSpPr>
+          <p:cNvPr id="2" name="Título 1"/>
+          <p:cNvSpPr>
+            <a:spLocks noGrp="1"/>
+          </p:cNvSpPr>
+          <p:nvPr>
+            <p:ph type="title"/>
+          </p:nvPr>
+        </p:nvSpPr>
+        <p:spPr/>
+        <p:txBody>
+          <a:bodyPr/>
+          <a:lstStyle/>
+          <a:p>
+            <a:r>
+              <a:rPr lang="es-MX" dirty="0" smtClean="0"/>
+              <a:t>Diagrama</a:t>
+            </a:r>
+            <a:br>
+              <a:rPr lang="es-MX" dirty="0" smtClean="0"/>
+            </a:br>
+            <a:r>
+              <a:rPr lang="es-MX" dirty="0" smtClean="0"/>
+              <a:t>Regulador</a:t>
+            </a:r>
+            <a:endParaRPr lang="es-MX" dirty="0"/>
+          </a:p>
+        </p:txBody>
+      </p:sp>
+      <p:pic>
+        <p:nvPicPr>
+          <p:cNvPr id="7" name="Marcador de contenido 6"/>
+          <p:cNvPicPr>
+            <a:picLocks noGrp="1" noChangeAspect="1"/>
+          </p:cNvPicPr>
+          <p:nvPr>
+            <p:ph sz="half" idx="2"/>
+          </p:nvPr>
+        </p:nvPicPr>
+        <p:blipFill rotWithShape="1">
+          <a:blip r:embed="rId2">
+            <a:extLst>
+              <a:ext uri="{28A0092B-C50C-407E-A947-70E740481C1C}">
+                <a14:useLocalDpi xmlns:a14="http://schemas.microsoft.com/office/drawing/2010/main" val="0"/>
+              </a:ext>
+            </a:extLst>
+          </a:blip>
+          <a:srcRect l="20083" t="17340" r="13995" b="23189"/>
+          <a:stretch/>
+        </p:blipFill>
+        <p:spPr>
+          <a:xfrm>
+            <a:off x="3503051" y="1123836"/>
+            <a:ext cx="8325619" cy="4220895"/>
+          </a:xfrm>
+        </p:spPr>
+      </p:pic>
+    </p:spTree>
+    <p:extLst>
+      <p:ext uri="{BB962C8B-B14F-4D97-AF65-F5344CB8AC3E}">
+        <p14:creationId xmlns:p14="http://schemas.microsoft.com/office/powerpoint/2010/main" val="115575365"/>
+      </p:ext>
+    </p:extLst>
+  </p:cSld>
+  <p:clrMapOvr>
+    <a:masterClrMapping/>
+  </p:clrMapOvr>
+</p:sld>
+</file>
+
+<file path=ppt/slides/slide14.xml><?xml version="1.0" encoding="utf-8"?>
+<p:sld xmlns:a="http://schemas.openxmlformats.org/drawingml/2006/main" xmlns:r="http://schemas.openxmlformats.org/officeDocument/2006/relationships" xmlns:p="http://schemas.openxmlformats.org/presentationml/2006/main">
+  <p:cSld>
+    <p:spTree>
+      <p:nvGrpSpPr>
+        <p:cNvPr id="1" name=""/>
+        <p:cNvGrpSpPr/>
+        <p:nvPr/>
+      </p:nvGrpSpPr>
+      <p:grpSpPr>
+        <a:xfrm>
+          <a:off x="0" y="0"/>
+          <a:ext cx="0" cy="0"/>
+          <a:chOff x="0" y="0"/>
+          <a:chExt cx="0" cy="0"/>
+        </a:xfrm>
+      </p:grpSpPr>
+      <p:sp>
+        <p:nvSpPr>
+          <p:cNvPr id="2" name="Título 1"/>
+          <p:cNvSpPr>
+            <a:spLocks noGrp="1"/>
+          </p:cNvSpPr>
+          <p:nvPr>
+            <p:ph type="title"/>
+          </p:nvPr>
+        </p:nvSpPr>
+        <p:spPr/>
+        <p:txBody>
+          <a:bodyPr/>
+          <a:lstStyle/>
+          <a:p>
+            <a:r>
+              <a:rPr lang="es-MX" dirty="0" smtClean="0"/>
+              <a:t>Diagrama</a:t>
+            </a:r>
+            <a:br>
+              <a:rPr lang="es-MX" dirty="0" smtClean="0"/>
+            </a:br>
+            <a:r>
+              <a:rPr lang="es-MX" dirty="0" smtClean="0"/>
+              <a:t>Semáforo</a:t>
+            </a:r>
+            <a:endParaRPr lang="es-MX" dirty="0"/>
+          </a:p>
+        </p:txBody>
+      </p:sp>
+      <p:pic>
+        <p:nvPicPr>
+          <p:cNvPr id="5" name="Marcador de contenido 4"/>
+          <p:cNvPicPr>
+            <a:picLocks noGrp="1" noChangeAspect="1"/>
+          </p:cNvPicPr>
+          <p:nvPr>
+            <p:ph sz="half" idx="1"/>
+          </p:nvPr>
+        </p:nvPicPr>
+        <p:blipFill rotWithShape="1">
+          <a:blip r:embed="rId2">
+            <a:extLst>
+              <a:ext uri="{28A0092B-C50C-407E-A947-70E740481C1C}">
+                <a14:useLocalDpi xmlns:a14="http://schemas.microsoft.com/office/drawing/2010/main" val="0"/>
+              </a:ext>
+            </a:extLst>
+          </a:blip>
+          <a:srcRect l="13199" t="12241" r="22660" b="15368"/>
+          <a:stretch/>
+        </p:blipFill>
+        <p:spPr>
+          <a:xfrm>
+            <a:off x="3477296" y="951684"/>
+            <a:ext cx="8303615" cy="4773336"/>
+          </a:xfrm>
+        </p:spPr>
+      </p:pic>
+    </p:spTree>
+    <p:extLst>
+      <p:ext uri="{BB962C8B-B14F-4D97-AF65-F5344CB8AC3E}">
+        <p14:creationId xmlns:p14="http://schemas.microsoft.com/office/powerpoint/2010/main" val="1483875747"/>
+      </p:ext>
+    </p:extLst>
+  </p:cSld>
+  <p:clrMapOvr>
+    <a:masterClrMapping/>
+  </p:clrMapOvr>
+</p:sld>
+</file>
+
 <file path=ppt/slides/slide2.xml><?xml version="1.0" encoding="utf-8"?>
 <p:sld xmlns:a="http://schemas.openxmlformats.org/drawingml/2006/main" xmlns:r="http://schemas.openxmlformats.org/officeDocument/2006/relationships" xmlns:p="http://schemas.openxmlformats.org/presentationml/2006/main">
   <p:cSld>
